--- a/ragbot.pptx
+++ b/ragbot.pptx
@@ -786,30 +786,12 @@
               </a:spcAft>
             </a:pPr>
             <a:r>
-              <a:rPr lang="en-CA" dirty="0"/>
-              <a:t>Before I start, I apologize I’m unable to be there in person with you today as I haven’t been </a:t>
-            </a:r>
-            <a:r>
               <a:rPr lang="en-CA"/>
-              <a:t>feeling too well </a:t>
+              <a:t>Today, </a:t>
             </a:r>
             <a:r>
               <a:rPr lang="en-CA" dirty="0"/>
-              <a:t>today</a:t>
-            </a:r>
-          </a:p>
-          <a:p>
-            <a:pPr marL="171450" lvl="0" indent="-171450" algn="l" rtl="0">
-              <a:spcBef>
-                <a:spcPts val="0"/>
-              </a:spcBef>
-              <a:spcAft>
-                <a:spcPts val="0"/>
-              </a:spcAft>
-            </a:pPr>
-            <a:r>
-              <a:rPr lang="en-CA" dirty="0"/>
-              <a:t>However, I’m excited to introduce </a:t>
+              <a:t>I’m excited to introduce </a:t>
             </a:r>
             <a:r>
               <a:rPr lang="en-CA" dirty="0" err="1"/>
